--- a/assets/lectures/BPW_Lecture_09.pptx
+++ b/assets/lectures/BPW_Lecture_09.pptx
@@ -26,7 +26,8 @@
     <p:sldId id="334" r:id="rId20"/>
     <p:sldId id="335" r:id="rId21"/>
     <p:sldId id="336" r:id="rId22"/>
-    <p:sldId id="302" r:id="rId23"/>
+    <p:sldId id="341" r:id="rId23"/>
+    <p:sldId id="302" r:id="rId24"/>
   </p:sldIdLst>
   <p:sldSz cx="12192000" cy="6858000"/>
   <p:notesSz cx="6858000" cy="9144000"/>
@@ -292,7 +293,7 @@
           <a:p>
             <a:fld id="{F57857CC-207A-4D73-9A20-C856A5068D10}" type="datetimeFigureOut">
               <a:rPr lang="en-US" smtClean="0"/>
-              <a:t>1/1/19</a:t>
+              <a:t>1/2/19</a:t>
             </a:fld>
             <a:endParaRPr lang="en-US"/>
           </a:p>
@@ -490,7 +491,7 @@
           <a:p>
             <a:fld id="{F57857CC-207A-4D73-9A20-C856A5068D10}" type="datetimeFigureOut">
               <a:rPr lang="en-US" smtClean="0"/>
-              <a:t>1/1/19</a:t>
+              <a:t>1/2/19</a:t>
             </a:fld>
             <a:endParaRPr lang="en-US"/>
           </a:p>
@@ -698,7 +699,7 @@
           <a:p>
             <a:fld id="{F57857CC-207A-4D73-9A20-C856A5068D10}" type="datetimeFigureOut">
               <a:rPr lang="en-US" smtClean="0"/>
-              <a:t>1/1/19</a:t>
+              <a:t>1/2/19</a:t>
             </a:fld>
             <a:endParaRPr lang="en-US"/>
           </a:p>
@@ -896,7 +897,7 @@
           <a:p>
             <a:fld id="{F57857CC-207A-4D73-9A20-C856A5068D10}" type="datetimeFigureOut">
               <a:rPr lang="en-US" smtClean="0"/>
-              <a:t>1/1/19</a:t>
+              <a:t>1/2/19</a:t>
             </a:fld>
             <a:endParaRPr lang="en-US"/>
           </a:p>
@@ -1171,7 +1172,7 @@
           <a:p>
             <a:fld id="{F57857CC-207A-4D73-9A20-C856A5068D10}" type="datetimeFigureOut">
               <a:rPr lang="en-US" smtClean="0"/>
-              <a:t>1/1/19</a:t>
+              <a:t>1/2/19</a:t>
             </a:fld>
             <a:endParaRPr lang="en-US"/>
           </a:p>
@@ -1436,7 +1437,7 @@
           <a:p>
             <a:fld id="{F57857CC-207A-4D73-9A20-C856A5068D10}" type="datetimeFigureOut">
               <a:rPr lang="en-US" smtClean="0"/>
-              <a:t>1/1/19</a:t>
+              <a:t>1/2/19</a:t>
             </a:fld>
             <a:endParaRPr lang="en-US"/>
           </a:p>
@@ -1848,7 +1849,7 @@
           <a:p>
             <a:fld id="{F57857CC-207A-4D73-9A20-C856A5068D10}" type="datetimeFigureOut">
               <a:rPr lang="en-US" smtClean="0"/>
-              <a:t>1/1/19</a:t>
+              <a:t>1/2/19</a:t>
             </a:fld>
             <a:endParaRPr lang="en-US"/>
           </a:p>
@@ -1989,7 +1990,7 @@
           <a:p>
             <a:fld id="{F57857CC-207A-4D73-9A20-C856A5068D10}" type="datetimeFigureOut">
               <a:rPr lang="en-US" smtClean="0"/>
-              <a:t>1/1/19</a:t>
+              <a:t>1/2/19</a:t>
             </a:fld>
             <a:endParaRPr lang="en-US"/>
           </a:p>
@@ -2102,7 +2103,7 @@
           <a:p>
             <a:fld id="{F57857CC-207A-4D73-9A20-C856A5068D10}" type="datetimeFigureOut">
               <a:rPr lang="en-US" smtClean="0"/>
-              <a:t>1/1/19</a:t>
+              <a:t>1/2/19</a:t>
             </a:fld>
             <a:endParaRPr lang="en-US"/>
           </a:p>
@@ -2413,7 +2414,7 @@
           <a:p>
             <a:fld id="{F57857CC-207A-4D73-9A20-C856A5068D10}" type="datetimeFigureOut">
               <a:rPr lang="en-US" smtClean="0"/>
-              <a:t>1/1/19</a:t>
+              <a:t>1/2/19</a:t>
             </a:fld>
             <a:endParaRPr lang="en-US"/>
           </a:p>
@@ -2701,7 +2702,7 @@
           <a:p>
             <a:fld id="{F57857CC-207A-4D73-9A20-C856A5068D10}" type="datetimeFigureOut">
               <a:rPr lang="en-US" smtClean="0"/>
-              <a:t>1/1/19</a:t>
+              <a:t>1/2/19</a:t>
             </a:fld>
             <a:endParaRPr lang="en-US"/>
           </a:p>
@@ -2942,7 +2943,7 @@
           <a:p>
             <a:fld id="{F57857CC-207A-4D73-9A20-C856A5068D10}" type="datetimeFigureOut">
               <a:rPr lang="en-US" smtClean="0"/>
-              <a:t>1/1/19</a:t>
+              <a:t>1/2/19</a:t>
             </a:fld>
             <a:endParaRPr lang="en-US"/>
           </a:p>
@@ -12671,6 +12672,410 @@
       </p:sp>
       <p:sp>
         <p:nvSpPr>
+          <p:cNvPr id="13" name="TextBox 12">
+            <a:extLst>
+              <a:ext uri="{FF2B5EF4-FFF2-40B4-BE49-F238E27FC236}">
+                <a16:creationId xmlns:a16="http://schemas.microsoft.com/office/drawing/2014/main" id="{4CA4C307-0B5D-A849-B9D1-1FD08970B38D}"/>
+              </a:ext>
+            </a:extLst>
+          </p:cNvPr>
+          <p:cNvSpPr txBox="1"/>
+          <p:nvPr/>
+        </p:nvSpPr>
+        <p:spPr>
+          <a:xfrm>
+            <a:off x="536954" y="1318963"/>
+            <a:ext cx="10579395" cy="1891287"/>
+          </a:xfrm>
+          <a:prstGeom prst="rect">
+            <a:avLst/>
+          </a:prstGeom>
+          <a:noFill/>
+        </p:spPr>
+        <p:txBody>
+          <a:bodyPr wrap="square" rtlCol="0">
+            <a:spAutoFit/>
+          </a:bodyPr>
+          <a:lstStyle/>
+          <a:p>
+            <a:pPr marL="342900" indent="-342900">
+              <a:lnSpc>
+                <a:spcPct val="150000"/>
+              </a:lnSpc>
+              <a:buFont typeface="Wingdings" pitchFamily="2" charset="2"/>
+              <a:buChar char="q"/>
+            </a:pPr>
+            <a:r>
+              <a:rPr lang="en-US" sz="2000" dirty="0"/>
+              <a:t>Convert old CSS animations to </a:t>
+            </a:r>
+            <a:r>
+              <a:rPr lang="en-US" sz="2000" dirty="0" err="1"/>
+              <a:t>JQuery</a:t>
+            </a:r>
+            <a:r>
+              <a:rPr lang="en-US" sz="2000" dirty="0"/>
+              <a:t> animations.</a:t>
+            </a:r>
+          </a:p>
+          <a:p>
+            <a:pPr marL="342900" indent="-342900">
+              <a:lnSpc>
+                <a:spcPct val="150000"/>
+              </a:lnSpc>
+              <a:buFont typeface="Wingdings" pitchFamily="2" charset="2"/>
+              <a:buChar char="q"/>
+            </a:pPr>
+            <a:r>
+              <a:rPr lang="en-US" sz="2000" dirty="0"/>
+              <a:t>Use the </a:t>
+            </a:r>
+            <a:r>
+              <a:rPr lang="en-US" sz="2000" dirty="0" err="1"/>
+              <a:t>JQuery</a:t>
+            </a:r>
+            <a:r>
+              <a:rPr lang="en-US" sz="2000" dirty="0"/>
+              <a:t> queueing feature to queue animations and play them sequentially.</a:t>
+            </a:r>
+          </a:p>
+          <a:p>
+            <a:pPr marL="342900" indent="-342900">
+              <a:lnSpc>
+                <a:spcPct val="150000"/>
+              </a:lnSpc>
+              <a:buFont typeface="Wingdings" pitchFamily="2" charset="2"/>
+              <a:buChar char="q"/>
+            </a:pPr>
+            <a:r>
+              <a:rPr lang="en-US" sz="2000" dirty="0"/>
+              <a:t>Provide function callbacks resetting </a:t>
+            </a:r>
+            <a:r>
+              <a:rPr lang="en-US" sz="2000" dirty="0" err="1"/>
+              <a:t>JQuery</a:t>
+            </a:r>
+            <a:r>
+              <a:rPr lang="en-US" sz="2000" dirty="0"/>
+              <a:t> animations to </a:t>
+            </a:r>
+            <a:r>
+              <a:rPr lang="en-US" sz="2000"/>
+              <a:t>their original state.</a:t>
+            </a:r>
+            <a:endParaRPr lang="en-US" sz="2000" dirty="0"/>
+          </a:p>
+          <a:p>
+            <a:pPr>
+              <a:lnSpc>
+                <a:spcPct val="150000"/>
+              </a:lnSpc>
+            </a:pPr>
+            <a:endParaRPr lang="en-US" sz="2000" dirty="0"/>
+          </a:p>
+        </p:txBody>
+      </p:sp>
+      <p:sp>
+        <p:nvSpPr>
+          <p:cNvPr id="14" name="TextBox 13">
+            <a:extLst>
+              <a:ext uri="{FF2B5EF4-FFF2-40B4-BE49-F238E27FC236}">
+                <a16:creationId xmlns:a16="http://schemas.microsoft.com/office/drawing/2014/main" id="{A623C12D-3558-4440-9BBE-A0B33D176E1A}"/>
+              </a:ext>
+            </a:extLst>
+          </p:cNvPr>
+          <p:cNvSpPr txBox="1"/>
+          <p:nvPr/>
+        </p:nvSpPr>
+        <p:spPr>
+          <a:xfrm>
+            <a:off x="3703675" y="9526"/>
+            <a:ext cx="4784649" cy="1003031"/>
+          </a:xfrm>
+          <a:prstGeom prst="rect">
+            <a:avLst/>
+          </a:prstGeom>
+          <a:noFill/>
+        </p:spPr>
+        <p:txBody>
+          <a:bodyPr wrap="square" rtlCol="0">
+            <a:spAutoFit/>
+          </a:bodyPr>
+          <a:lstStyle/>
+          <a:p>
+            <a:pPr algn="ctr">
+              <a:lnSpc>
+                <a:spcPct val="150000"/>
+              </a:lnSpc>
+            </a:pPr>
+            <a:r>
+              <a:rPr lang="en-US" sz="4400" dirty="0"/>
+              <a:t>Homework Ideas</a:t>
+            </a:r>
+          </a:p>
+        </p:txBody>
+      </p:sp>
+      <p:cxnSp>
+        <p:nvCxnSpPr>
+          <p:cNvPr id="15" name="Straight Connector 14">
+            <a:extLst>
+              <a:ext uri="{FF2B5EF4-FFF2-40B4-BE49-F238E27FC236}">
+                <a16:creationId xmlns:a16="http://schemas.microsoft.com/office/drawing/2014/main" id="{3422587C-8E35-524F-9C3F-937EBC3C4492}"/>
+              </a:ext>
+            </a:extLst>
+          </p:cNvPr>
+          <p:cNvCxnSpPr>
+            <a:cxnSpLocks/>
+          </p:cNvCxnSpPr>
+          <p:nvPr/>
+        </p:nvCxnSpPr>
+        <p:spPr>
+          <a:xfrm>
+            <a:off x="5955606" y="1013664"/>
+            <a:ext cx="419986" cy="0"/>
+          </a:xfrm>
+          <a:prstGeom prst="line">
+            <a:avLst/>
+          </a:prstGeom>
+          <a:ln w="28575"/>
+        </p:spPr>
+        <p:style>
+          <a:lnRef idx="1">
+            <a:schemeClr val="dk1"/>
+          </a:lnRef>
+          <a:fillRef idx="0">
+            <a:schemeClr val="dk1"/>
+          </a:fillRef>
+          <a:effectRef idx="0">
+            <a:schemeClr val="dk1"/>
+          </a:effectRef>
+          <a:fontRef idx="minor">
+            <a:schemeClr val="tx1"/>
+          </a:fontRef>
+        </p:style>
+      </p:cxnSp>
+    </p:spTree>
+    <p:extLst>
+      <p:ext uri="{BB962C8B-B14F-4D97-AF65-F5344CB8AC3E}">
+        <p14:creationId xmlns:p14="http://schemas.microsoft.com/office/powerpoint/2010/main" val="1780997956"/>
+      </p:ext>
+    </p:extLst>
+  </p:cSld>
+  <p:clrMapOvr>
+    <a:masterClrMapping/>
+  </p:clrMapOvr>
+</p:sld>
+</file>
+
+<file path=ppt/slides/slide23.xml><?xml version="1.0" encoding="utf-8"?>
+<p:sld xmlns:a="http://schemas.openxmlformats.org/drawingml/2006/main" xmlns:r="http://schemas.openxmlformats.org/officeDocument/2006/relationships" xmlns:p="http://schemas.openxmlformats.org/presentationml/2006/main">
+  <p:cSld>
+    <p:bg>
+      <p:bgPr>
+        <a:solidFill>
+          <a:schemeClr val="bg2"/>
+        </a:solidFill>
+        <a:effectLst/>
+      </p:bgPr>
+    </p:bg>
+    <p:spTree>
+      <p:nvGrpSpPr>
+        <p:cNvPr id="1" name=""/>
+        <p:cNvGrpSpPr/>
+        <p:nvPr/>
+      </p:nvGrpSpPr>
+      <p:grpSpPr>
+        <a:xfrm>
+          <a:off x="0" y="0"/>
+          <a:ext cx="0" cy="0"/>
+          <a:chOff x="0" y="0"/>
+          <a:chExt cx="0" cy="0"/>
+        </a:xfrm>
+      </p:grpSpPr>
+      <p:sp>
+        <p:nvSpPr>
+          <p:cNvPr id="4" name="Rectangle 3">
+            <a:extLst>
+              <a:ext uri="{FF2B5EF4-FFF2-40B4-BE49-F238E27FC236}">
+                <a16:creationId xmlns:a16="http://schemas.microsoft.com/office/drawing/2014/main" id="{678F1DA2-2833-49FF-9287-44720AC6C8D2}"/>
+              </a:ext>
+            </a:extLst>
+          </p:cNvPr>
+          <p:cNvSpPr/>
+          <p:nvPr/>
+        </p:nvSpPr>
+        <p:spPr>
+          <a:xfrm>
+            <a:off x="0" y="6581001"/>
+            <a:ext cx="9976268" cy="276999"/>
+          </a:xfrm>
+          <a:prstGeom prst="rect">
+            <a:avLst/>
+          </a:prstGeom>
+          <a:solidFill>
+            <a:srgbClr val="92D050"/>
+          </a:solidFill>
+          <a:ln>
+            <a:noFill/>
+          </a:ln>
+        </p:spPr>
+        <p:style>
+          <a:lnRef idx="2">
+            <a:schemeClr val="accent1">
+              <a:shade val="50000"/>
+            </a:schemeClr>
+          </a:lnRef>
+          <a:fillRef idx="1">
+            <a:schemeClr val="accent1"/>
+          </a:fillRef>
+          <a:effectRef idx="0">
+            <a:schemeClr val="accent1"/>
+          </a:effectRef>
+          <a:fontRef idx="minor">
+            <a:schemeClr val="lt1"/>
+          </a:fontRef>
+        </p:style>
+        <p:txBody>
+          <a:bodyPr rtlCol="0" anchor="ctr"/>
+          <a:lstStyle/>
+          <a:p>
+            <a:pPr algn="ctr"/>
+            <a:endParaRPr lang="en-US" dirty="0"/>
+          </a:p>
+        </p:txBody>
+      </p:sp>
+      <p:sp>
+        <p:nvSpPr>
+          <p:cNvPr id="5" name="TextBox 4">
+            <a:extLst>
+              <a:ext uri="{FF2B5EF4-FFF2-40B4-BE49-F238E27FC236}">
+                <a16:creationId xmlns:a16="http://schemas.microsoft.com/office/drawing/2014/main" id="{9758F7A4-2143-4CCD-B8B3-8B4A1461ECF9}"/>
+              </a:ext>
+            </a:extLst>
+          </p:cNvPr>
+          <p:cNvSpPr txBox="1"/>
+          <p:nvPr/>
+        </p:nvSpPr>
+        <p:spPr>
+          <a:xfrm>
+            <a:off x="36674" y="6583215"/>
+            <a:ext cx="2682077" cy="276999"/>
+          </a:xfrm>
+          <a:prstGeom prst="rect">
+            <a:avLst/>
+          </a:prstGeom>
+          <a:noFill/>
+        </p:spPr>
+        <p:txBody>
+          <a:bodyPr wrap="square" rtlCol="0">
+            <a:spAutoFit/>
+          </a:bodyPr>
+          <a:lstStyle/>
+          <a:p>
+            <a:r>
+              <a:rPr lang="en-US" sz="1200" dirty="0">
+                <a:solidFill>
+                  <a:schemeClr val="bg1"/>
+                </a:solidFill>
+              </a:rPr>
+              <a:t>Building Personal Websites</a:t>
+            </a:r>
+          </a:p>
+        </p:txBody>
+      </p:sp>
+      <p:sp>
+        <p:nvSpPr>
+          <p:cNvPr id="6" name="Rectangle 5">
+            <a:extLst>
+              <a:ext uri="{FF2B5EF4-FFF2-40B4-BE49-F238E27FC236}">
+                <a16:creationId xmlns:a16="http://schemas.microsoft.com/office/drawing/2014/main" id="{40845236-8634-4353-BA0D-8817FE36EC7A}"/>
+              </a:ext>
+            </a:extLst>
+          </p:cNvPr>
+          <p:cNvSpPr/>
+          <p:nvPr/>
+        </p:nvSpPr>
+        <p:spPr>
+          <a:xfrm>
+            <a:off x="9921514" y="6581001"/>
+            <a:ext cx="2270485" cy="276999"/>
+          </a:xfrm>
+          <a:prstGeom prst="rect">
+            <a:avLst/>
+          </a:prstGeom>
+          <a:solidFill>
+            <a:srgbClr val="00B0F0"/>
+          </a:solidFill>
+          <a:ln>
+            <a:noFill/>
+          </a:ln>
+        </p:spPr>
+        <p:style>
+          <a:lnRef idx="2">
+            <a:schemeClr val="accent1">
+              <a:shade val="50000"/>
+            </a:schemeClr>
+          </a:lnRef>
+          <a:fillRef idx="1">
+            <a:schemeClr val="accent1"/>
+          </a:fillRef>
+          <a:effectRef idx="0">
+            <a:schemeClr val="accent1"/>
+          </a:effectRef>
+          <a:fontRef idx="minor">
+            <a:schemeClr val="lt1"/>
+          </a:fontRef>
+        </p:style>
+        <p:txBody>
+          <a:bodyPr rtlCol="0" anchor="ctr"/>
+          <a:lstStyle/>
+          <a:p>
+            <a:pPr algn="ctr"/>
+            <a:endParaRPr lang="en-US" dirty="0"/>
+          </a:p>
+        </p:txBody>
+      </p:sp>
+      <p:sp>
+        <p:nvSpPr>
+          <p:cNvPr id="8" name="TextBox 7">
+            <a:extLst>
+              <a:ext uri="{FF2B5EF4-FFF2-40B4-BE49-F238E27FC236}">
+                <a16:creationId xmlns:a16="http://schemas.microsoft.com/office/drawing/2014/main" id="{6403EA4A-E7EB-4525-B0D2-13B3997D5780}"/>
+              </a:ext>
+            </a:extLst>
+          </p:cNvPr>
+          <p:cNvSpPr txBox="1"/>
+          <p:nvPr/>
+        </p:nvSpPr>
+        <p:spPr>
+          <a:xfrm>
+            <a:off x="9958188" y="6578787"/>
+            <a:ext cx="2682077" cy="276999"/>
+          </a:xfrm>
+          <a:prstGeom prst="rect">
+            <a:avLst/>
+          </a:prstGeom>
+          <a:noFill/>
+        </p:spPr>
+        <p:txBody>
+          <a:bodyPr wrap="square" rtlCol="0">
+            <a:spAutoFit/>
+          </a:bodyPr>
+          <a:lstStyle/>
+          <a:p>
+            <a:r>
+              <a:rPr lang="en-US" sz="1200" dirty="0">
+                <a:solidFill>
+                  <a:schemeClr val="bg1"/>
+                </a:solidFill>
+              </a:rPr>
+              <a:t>Lecture 09 | Adv. Animations</a:t>
+            </a:r>
+          </a:p>
+        </p:txBody>
+      </p:sp>
+      <p:sp>
+        <p:nvSpPr>
           <p:cNvPr id="7" name="TextBox 6">
             <a:extLst>
               <a:ext uri="{FF2B5EF4-FFF2-40B4-BE49-F238E27FC236}">

--- a/assets/lectures/BPW_Lecture_09.pptx
+++ b/assets/lectures/BPW_Lecture_09.pptx
@@ -293,7 +293,7 @@
           <a:p>
             <a:fld id="{F57857CC-207A-4D73-9A20-C856A5068D10}" type="datetimeFigureOut">
               <a:rPr lang="en-US" smtClean="0"/>
-              <a:t>1/2/19</a:t>
+              <a:t>1/8/19</a:t>
             </a:fld>
             <a:endParaRPr lang="en-US"/>
           </a:p>
@@ -491,7 +491,7 @@
           <a:p>
             <a:fld id="{F57857CC-207A-4D73-9A20-C856A5068D10}" type="datetimeFigureOut">
               <a:rPr lang="en-US" smtClean="0"/>
-              <a:t>1/2/19</a:t>
+              <a:t>1/8/19</a:t>
             </a:fld>
             <a:endParaRPr lang="en-US"/>
           </a:p>
@@ -699,7 +699,7 @@
           <a:p>
             <a:fld id="{F57857CC-207A-4D73-9A20-C856A5068D10}" type="datetimeFigureOut">
               <a:rPr lang="en-US" smtClean="0"/>
-              <a:t>1/2/19</a:t>
+              <a:t>1/8/19</a:t>
             </a:fld>
             <a:endParaRPr lang="en-US"/>
           </a:p>
@@ -897,7 +897,7 @@
           <a:p>
             <a:fld id="{F57857CC-207A-4D73-9A20-C856A5068D10}" type="datetimeFigureOut">
               <a:rPr lang="en-US" smtClean="0"/>
-              <a:t>1/2/19</a:t>
+              <a:t>1/8/19</a:t>
             </a:fld>
             <a:endParaRPr lang="en-US"/>
           </a:p>
@@ -1172,7 +1172,7 @@
           <a:p>
             <a:fld id="{F57857CC-207A-4D73-9A20-C856A5068D10}" type="datetimeFigureOut">
               <a:rPr lang="en-US" smtClean="0"/>
-              <a:t>1/2/19</a:t>
+              <a:t>1/8/19</a:t>
             </a:fld>
             <a:endParaRPr lang="en-US"/>
           </a:p>
@@ -1437,7 +1437,7 @@
           <a:p>
             <a:fld id="{F57857CC-207A-4D73-9A20-C856A5068D10}" type="datetimeFigureOut">
               <a:rPr lang="en-US" smtClean="0"/>
-              <a:t>1/2/19</a:t>
+              <a:t>1/8/19</a:t>
             </a:fld>
             <a:endParaRPr lang="en-US"/>
           </a:p>
@@ -1849,7 +1849,7 @@
           <a:p>
             <a:fld id="{F57857CC-207A-4D73-9A20-C856A5068D10}" type="datetimeFigureOut">
               <a:rPr lang="en-US" smtClean="0"/>
-              <a:t>1/2/19</a:t>
+              <a:t>1/8/19</a:t>
             </a:fld>
             <a:endParaRPr lang="en-US"/>
           </a:p>
@@ -1990,7 +1990,7 @@
           <a:p>
             <a:fld id="{F57857CC-207A-4D73-9A20-C856A5068D10}" type="datetimeFigureOut">
               <a:rPr lang="en-US" smtClean="0"/>
-              <a:t>1/2/19</a:t>
+              <a:t>1/8/19</a:t>
             </a:fld>
             <a:endParaRPr lang="en-US"/>
           </a:p>
@@ -2103,7 +2103,7 @@
           <a:p>
             <a:fld id="{F57857CC-207A-4D73-9A20-C856A5068D10}" type="datetimeFigureOut">
               <a:rPr lang="en-US" smtClean="0"/>
-              <a:t>1/2/19</a:t>
+              <a:t>1/8/19</a:t>
             </a:fld>
             <a:endParaRPr lang="en-US"/>
           </a:p>
@@ -2414,7 +2414,7 @@
           <a:p>
             <a:fld id="{F57857CC-207A-4D73-9A20-C856A5068D10}" type="datetimeFigureOut">
               <a:rPr lang="en-US" smtClean="0"/>
-              <a:t>1/2/19</a:t>
+              <a:t>1/8/19</a:t>
             </a:fld>
             <a:endParaRPr lang="en-US"/>
           </a:p>
@@ -2702,7 +2702,7 @@
           <a:p>
             <a:fld id="{F57857CC-207A-4D73-9A20-C856A5068D10}" type="datetimeFigureOut">
               <a:rPr lang="en-US" smtClean="0"/>
-              <a:t>1/2/19</a:t>
+              <a:t>1/8/19</a:t>
             </a:fld>
             <a:endParaRPr lang="en-US"/>
           </a:p>
@@ -2943,7 +2943,7 @@
           <a:p>
             <a:fld id="{F57857CC-207A-4D73-9A20-C856A5068D10}" type="datetimeFigureOut">
               <a:rPr lang="en-US" smtClean="0"/>
-              <a:t>1/2/19</a:t>
+              <a:t>1/8/19</a:t>
             </a:fld>
             <a:endParaRPr lang="en-US"/>
           </a:p>
@@ -5483,7 +5483,7 @@
           <a:p>
             <a:r>
               <a:rPr lang="en-US" sz="2000" dirty="0"/>
-              <a:t>So yes, naturally, dumb things like these are allowed</a:t>
+              <a:t>So yes, naturally, dumb things like these are allowed:</a:t>
             </a:r>
           </a:p>
         </p:txBody>
@@ -12297,7 +12297,7 @@
         <p:spPr>
           <a:xfrm>
             <a:off x="985828" y="1328135"/>
-            <a:ext cx="10220341" cy="1569660"/>
+            <a:ext cx="10220341" cy="1323439"/>
           </a:xfrm>
           <a:prstGeom prst="rect">
             <a:avLst/>
@@ -12314,7 +12314,7 @@
               <a:buChar char="•"/>
             </a:pPr>
             <a:r>
-              <a:rPr lang="en-US" sz="2400" dirty="0"/>
+              <a:rPr lang="en-US" sz="2000" dirty="0"/>
               <a:t>More flexible for programming-based animations.</a:t>
             </a:r>
           </a:p>
@@ -12324,15 +12324,15 @@
               <a:buChar char="•"/>
             </a:pPr>
             <a:r>
-              <a:rPr lang="en-US" sz="2400" dirty="0"/>
+              <a:rPr lang="en-US" sz="2000" dirty="0"/>
               <a:t>Can store variables and </a:t>
             </a:r>
             <a:r>
-              <a:rPr lang="en-US" sz="2400" dirty="0" err="1"/>
+              <a:rPr lang="en-US" sz="2000" dirty="0" err="1"/>
               <a:t>peform</a:t>
             </a:r>
             <a:r>
-              <a:rPr lang="en-US" sz="2400" dirty="0"/>
+              <a:rPr lang="en-US" sz="2000" dirty="0"/>
               <a:t> operations with JavaScript</a:t>
             </a:r>
           </a:p>
@@ -12342,7 +12342,7 @@
               <a:buChar char="•"/>
             </a:pPr>
             <a:r>
-              <a:rPr lang="en-US" sz="2400" dirty="0"/>
+              <a:rPr lang="en-US" sz="2000" dirty="0"/>
               <a:t>Easier to store Callback functions</a:t>
             </a:r>
           </a:p>
@@ -12352,7 +12352,7 @@
               <a:buChar char="•"/>
             </a:pPr>
             <a:r>
-              <a:rPr lang="en-US" sz="2400" dirty="0"/>
+              <a:rPr lang="en-US" sz="2000" dirty="0"/>
               <a:t>Sometimes can lead to unexpected execution order if not used properly</a:t>
             </a:r>
           </a:p>
@@ -12407,7 +12407,7 @@
         <p:spPr>
           <a:xfrm>
             <a:off x="985829" y="4061182"/>
-            <a:ext cx="8802940" cy="1569660"/>
+            <a:ext cx="8802940" cy="1323439"/>
           </a:xfrm>
           <a:prstGeom prst="rect">
             <a:avLst/>
@@ -12424,7 +12424,7 @@
               <a:buChar char="•"/>
             </a:pPr>
             <a:r>
-              <a:rPr lang="en-US" sz="2400" dirty="0"/>
+              <a:rPr lang="en-US" sz="2000" dirty="0"/>
               <a:t>With multiple independent animations.</a:t>
             </a:r>
           </a:p>
@@ -12434,7 +12434,7 @@
               <a:buChar char="•"/>
             </a:pPr>
             <a:r>
-              <a:rPr lang="en-US" sz="2400" dirty="0"/>
+              <a:rPr lang="en-US" sz="2000" dirty="0"/>
               <a:t>If two animations share the same time and interpolation, they can be in the same animation tag.</a:t>
             </a:r>
           </a:p>
@@ -12444,7 +12444,7 @@
               <a:buChar char="•"/>
             </a:pPr>
             <a:r>
-              <a:rPr lang="en-US" sz="2400" dirty="0"/>
+              <a:rPr lang="en-US" sz="2000" dirty="0"/>
               <a:t>Else, they must be in different animation tags independently.</a:t>
             </a:r>
           </a:p>
@@ -16638,7 +16638,7 @@
                   <a:schemeClr val="accent1"/>
                 </a:solidFill>
               </a:rPr>
-              <a:t>			   left: ‘200px’,</a:t>
+              <a:t>	                              left: ‘200px’,</a:t>
             </a:r>
           </a:p>
           <a:p>
@@ -16649,7 +16649,7 @@
                   <a:schemeClr val="accent1"/>
                 </a:solidFill>
               </a:rPr>
-              <a:t>			   opacity: ‘0’}, 5000); } </a:t>
+              <a:t>	                              opacity: ‘0’}, 5000); } </a:t>
             </a:r>
             <a:r>
               <a:rPr lang="en-US" dirty="0">
